--- a/Lecture6.pptx
+++ b/Lecture6.pptx
@@ -5,7 +5,7 @@
     <p:sldMasterId id="2147483648" r:id="rId1"/>
   </p:sldMasterIdLst>
   <p:notesMasterIdLst>
-    <p:notesMasterId r:id="rId13"/>
+    <p:notesMasterId r:id="rId18"/>
   </p:notesMasterIdLst>
   <p:sldIdLst>
     <p:sldId id="256" r:id="rId2"/>
@@ -19,16 +19,21 @@
     <p:sldId id="264" r:id="rId10"/>
     <p:sldId id="265" r:id="rId11"/>
     <p:sldId id="266" r:id="rId12"/>
+    <p:sldId id="271" r:id="rId13"/>
+    <p:sldId id="269" r:id="rId14"/>
+    <p:sldId id="270" r:id="rId15"/>
+    <p:sldId id="268" r:id="rId16"/>
+    <p:sldId id="267" r:id="rId17"/>
   </p:sldIdLst>
   <p:sldSz cx="12192000" cy="6858000"/>
   <p:notesSz cx="6858000" cy="9144000"/>
   <p:embeddedFontLst>
     <p:embeddedFont>
       <p:font typeface="Century Gothic" panose="020B0502020202020204" pitchFamily="34" charset="0"/>
-      <p:regular r:id="rId14"/>
-      <p:bold r:id="rId15"/>
-      <p:italic r:id="rId16"/>
-      <p:boldItalic r:id="rId17"/>
+      <p:regular r:id="rId19"/>
+      <p:bold r:id="rId20"/>
+      <p:italic r:id="rId21"/>
+      <p:boldItalic r:id="rId22"/>
     </p:embeddedFont>
   </p:embeddedFontLst>
   <p:defaultTextStyle>
@@ -1572,6 +1577,284 @@
 </p:notes>
 </file>
 
+<file path=ppt/notesSlides/notesSlide10.xml><?xml version="1.0" encoding="utf-8"?>
+<p:notes xmlns:a="http://schemas.openxmlformats.org/drawingml/2006/main" xmlns:r="http://schemas.openxmlformats.org/officeDocument/2006/relationships" xmlns:p="http://schemas.openxmlformats.org/presentationml/2006/main">
+  <p:cSld>
+    <p:spTree>
+      <p:nvGrpSpPr>
+        <p:cNvPr id="1" name="">
+          <a:extLst>
+            <a:ext uri="{FF2B5EF4-FFF2-40B4-BE49-F238E27FC236}">
+              <a16:creationId xmlns:a16="http://schemas.microsoft.com/office/drawing/2014/main" id="{F8D8B59A-4851-87AC-49E6-52365D74E3A8}"/>
+            </a:ext>
+          </a:extLst>
+        </p:cNvPr>
+        <p:cNvGrpSpPr/>
+        <p:nvPr/>
+      </p:nvGrpSpPr>
+      <p:grpSpPr>
+        <a:xfrm>
+          <a:off x="0" y="0"/>
+          <a:ext cx="0" cy="0"/>
+          <a:chOff x="0" y="0"/>
+          <a:chExt cx="0" cy="0"/>
+        </a:xfrm>
+      </p:grpSpPr>
+      <p:sp>
+        <p:nvSpPr>
+          <p:cNvPr id="2" name="Slide Image Placeholder 1">
+            <a:extLst>
+              <a:ext uri="{FF2B5EF4-FFF2-40B4-BE49-F238E27FC236}">
+                <a16:creationId xmlns:a16="http://schemas.microsoft.com/office/drawing/2014/main" id="{4B96F1DC-6AFC-3B85-2D37-161F103D51B1}"/>
+              </a:ext>
+            </a:extLst>
+          </p:cNvPr>
+          <p:cNvSpPr>
+            <a:spLocks noGrp="1" noRot="1" noChangeAspect="1"/>
+          </p:cNvSpPr>
+          <p:nvPr>
+            <p:ph type="sldImg"/>
+          </p:nvPr>
+        </p:nvSpPr>
+        <p:spPr/>
+      </p:sp>
+      <p:sp>
+        <p:nvSpPr>
+          <p:cNvPr id="3" name="Notes Placeholder 2">
+            <a:extLst>
+              <a:ext uri="{FF2B5EF4-FFF2-40B4-BE49-F238E27FC236}">
+                <a16:creationId xmlns:a16="http://schemas.microsoft.com/office/drawing/2014/main" id="{F93F78CE-26CB-8AA8-9B34-B98B2A1B22C5}"/>
+              </a:ext>
+            </a:extLst>
+          </p:cNvPr>
+          <p:cNvSpPr>
+            <a:spLocks noGrp="1"/>
+          </p:cNvSpPr>
+          <p:nvPr>
+            <p:ph type="body" idx="1"/>
+          </p:nvPr>
+        </p:nvSpPr>
+        <p:spPr/>
+        <p:txBody>
+          <a:bodyPr/>
+          <a:lstStyle/>
+          <a:p>
+            <a:r>
+              <a:rPr lang="en-US" dirty="0"/>
+              <a:t>Pause and get examples for when this might be</a:t>
+            </a:r>
+          </a:p>
+          <a:p>
+            <a:endParaRPr lang="en-US" dirty="0"/>
+          </a:p>
+        </p:txBody>
+      </p:sp>
+      <p:sp>
+        <p:nvSpPr>
+          <p:cNvPr id="4" name="Slide Number Placeholder 3">
+            <a:extLst>
+              <a:ext uri="{FF2B5EF4-FFF2-40B4-BE49-F238E27FC236}">
+                <a16:creationId xmlns:a16="http://schemas.microsoft.com/office/drawing/2014/main" id="{4422DC08-86DA-B999-03D5-A2194DEDC899}"/>
+              </a:ext>
+            </a:extLst>
+          </p:cNvPr>
+          <p:cNvSpPr>
+            <a:spLocks noGrp="1"/>
+          </p:cNvSpPr>
+          <p:nvPr>
+            <p:ph type="sldNum" idx="12"/>
+          </p:nvPr>
+        </p:nvSpPr>
+        <p:spPr/>
+        <p:txBody>
+          <a:bodyPr/>
+          <a:lstStyle/>
+          <a:p>
+            <a:pPr marL="0" marR="0" lvl="0" indent="0" algn="r" rtl="0">
+              <a:spcBef>
+                <a:spcPts val="0"/>
+              </a:spcBef>
+              <a:spcAft>
+                <a:spcPts val="0"/>
+              </a:spcAft>
+              <a:buNone/>
+            </a:pPr>
+            <a:fld id="{00000000-1234-1234-1234-123412341234}" type="slidenum">
+              <a:rPr lang="en-US" sz="1200" b="0" i="0" u="none" strike="noStrike" cap="none" smtClean="0">
+                <a:solidFill>
+                  <a:schemeClr val="dk1"/>
+                </a:solidFill>
+                <a:latin typeface="Calibri"/>
+                <a:ea typeface="Calibri"/>
+                <a:cs typeface="Calibri"/>
+                <a:sym typeface="Calibri"/>
+              </a:rPr>
+              <a:t>13</a:t>
+            </a:fld>
+            <a:endParaRPr lang="en-US" sz="1200" b="0" i="0" u="none" strike="noStrike" cap="none">
+              <a:solidFill>
+                <a:schemeClr val="dk1"/>
+              </a:solidFill>
+              <a:latin typeface="Calibri"/>
+              <a:ea typeface="Calibri"/>
+              <a:cs typeface="Calibri"/>
+              <a:sym typeface="Calibri"/>
+            </a:endParaRPr>
+          </a:p>
+        </p:txBody>
+      </p:sp>
+    </p:spTree>
+    <p:extLst>
+      <p:ext uri="{BB962C8B-B14F-4D97-AF65-F5344CB8AC3E}">
+        <p14:creationId xmlns:p14="http://schemas.microsoft.com/office/powerpoint/2010/main" val="4021608330"/>
+      </p:ext>
+    </p:extLst>
+  </p:cSld>
+  <p:clrMapOvr>
+    <a:masterClrMapping/>
+  </p:clrMapOvr>
+</p:notes>
+</file>
+
+<file path=ppt/notesSlides/notesSlide11.xml><?xml version="1.0" encoding="utf-8"?>
+<p:notes xmlns:a="http://schemas.openxmlformats.org/drawingml/2006/main" xmlns:r="http://schemas.openxmlformats.org/officeDocument/2006/relationships" xmlns:p="http://schemas.openxmlformats.org/presentationml/2006/main">
+  <p:cSld>
+    <p:spTree>
+      <p:nvGrpSpPr>
+        <p:cNvPr id="1" name="">
+          <a:extLst>
+            <a:ext uri="{FF2B5EF4-FFF2-40B4-BE49-F238E27FC236}">
+              <a16:creationId xmlns:a16="http://schemas.microsoft.com/office/drawing/2014/main" id="{0E5DBAEB-3BC6-FBD9-ECF6-8CCEAA4DD029}"/>
+            </a:ext>
+          </a:extLst>
+        </p:cNvPr>
+        <p:cNvGrpSpPr/>
+        <p:nvPr/>
+      </p:nvGrpSpPr>
+      <p:grpSpPr>
+        <a:xfrm>
+          <a:off x="0" y="0"/>
+          <a:ext cx="0" cy="0"/>
+          <a:chOff x="0" y="0"/>
+          <a:chExt cx="0" cy="0"/>
+        </a:xfrm>
+      </p:grpSpPr>
+      <p:sp>
+        <p:nvSpPr>
+          <p:cNvPr id="2" name="Slide Image Placeholder 1">
+            <a:extLst>
+              <a:ext uri="{FF2B5EF4-FFF2-40B4-BE49-F238E27FC236}">
+                <a16:creationId xmlns:a16="http://schemas.microsoft.com/office/drawing/2014/main" id="{B9DEE8D5-AB00-19FA-F41B-CBE8A63F820A}"/>
+              </a:ext>
+            </a:extLst>
+          </p:cNvPr>
+          <p:cNvSpPr>
+            <a:spLocks noGrp="1" noRot="1" noChangeAspect="1"/>
+          </p:cNvSpPr>
+          <p:nvPr>
+            <p:ph type="sldImg"/>
+          </p:nvPr>
+        </p:nvSpPr>
+        <p:spPr/>
+      </p:sp>
+      <p:sp>
+        <p:nvSpPr>
+          <p:cNvPr id="3" name="Notes Placeholder 2">
+            <a:extLst>
+              <a:ext uri="{FF2B5EF4-FFF2-40B4-BE49-F238E27FC236}">
+                <a16:creationId xmlns:a16="http://schemas.microsoft.com/office/drawing/2014/main" id="{CB525625-4803-847F-E289-00A3BDED3048}"/>
+              </a:ext>
+            </a:extLst>
+          </p:cNvPr>
+          <p:cNvSpPr>
+            <a:spLocks noGrp="1"/>
+          </p:cNvSpPr>
+          <p:nvPr>
+            <p:ph type="body" idx="1"/>
+          </p:nvPr>
+        </p:nvSpPr>
+        <p:spPr/>
+        <p:txBody>
+          <a:bodyPr/>
+          <a:lstStyle/>
+          <a:p>
+            <a:r>
+              <a:rPr lang="en-US" dirty="0"/>
+              <a:t>Pause and get examples for when this might be</a:t>
+            </a:r>
+          </a:p>
+          <a:p>
+            <a:endParaRPr lang="en-US" dirty="0"/>
+          </a:p>
+        </p:txBody>
+      </p:sp>
+      <p:sp>
+        <p:nvSpPr>
+          <p:cNvPr id="4" name="Slide Number Placeholder 3">
+            <a:extLst>
+              <a:ext uri="{FF2B5EF4-FFF2-40B4-BE49-F238E27FC236}">
+                <a16:creationId xmlns:a16="http://schemas.microsoft.com/office/drawing/2014/main" id="{F498AB6E-817B-EBD7-EF93-19631C2292D4}"/>
+              </a:ext>
+            </a:extLst>
+          </p:cNvPr>
+          <p:cNvSpPr>
+            <a:spLocks noGrp="1"/>
+          </p:cNvSpPr>
+          <p:nvPr>
+            <p:ph type="sldNum" idx="12"/>
+          </p:nvPr>
+        </p:nvSpPr>
+        <p:spPr/>
+        <p:txBody>
+          <a:bodyPr/>
+          <a:lstStyle/>
+          <a:p>
+            <a:pPr marL="0" marR="0" lvl="0" indent="0" algn="r" rtl="0">
+              <a:spcBef>
+                <a:spcPts val="0"/>
+              </a:spcBef>
+              <a:spcAft>
+                <a:spcPts val="0"/>
+              </a:spcAft>
+              <a:buNone/>
+            </a:pPr>
+            <a:fld id="{00000000-1234-1234-1234-123412341234}" type="slidenum">
+              <a:rPr lang="en-US" sz="1200" b="0" i="0" u="none" strike="noStrike" cap="none" smtClean="0">
+                <a:solidFill>
+                  <a:schemeClr val="dk1"/>
+                </a:solidFill>
+                <a:latin typeface="Calibri"/>
+                <a:ea typeface="Calibri"/>
+                <a:cs typeface="Calibri"/>
+                <a:sym typeface="Calibri"/>
+              </a:rPr>
+              <a:t>14</a:t>
+            </a:fld>
+            <a:endParaRPr lang="en-US" sz="1200" b="0" i="0" u="none" strike="noStrike" cap="none">
+              <a:solidFill>
+                <a:schemeClr val="dk1"/>
+              </a:solidFill>
+              <a:latin typeface="Calibri"/>
+              <a:ea typeface="Calibri"/>
+              <a:cs typeface="Calibri"/>
+              <a:sym typeface="Calibri"/>
+            </a:endParaRPr>
+          </a:p>
+        </p:txBody>
+      </p:sp>
+    </p:spTree>
+    <p:extLst>
+      <p:ext uri="{BB962C8B-B14F-4D97-AF65-F5344CB8AC3E}">
+        <p14:creationId xmlns:p14="http://schemas.microsoft.com/office/powerpoint/2010/main" val="2788575891"/>
+      </p:ext>
+    </p:extLst>
+  </p:cSld>
+  <p:clrMapOvr>
+    <a:masterClrMapping/>
+  </p:clrMapOvr>
+</p:notes>
+</file>
+
 <file path=ppt/notesSlides/notesSlide2.xml><?xml version="1.0" encoding="utf-8"?>
 <p:notes xmlns:a="http://schemas.openxmlformats.org/drawingml/2006/main" xmlns:r="http://schemas.openxmlformats.org/officeDocument/2006/relationships" xmlns:p="http://schemas.openxmlformats.org/presentationml/2006/main" showMasterSp="0" showMasterPhAnim="0">
   <p:cSld>
@@ -2440,6 +2723,145 @@
     <p:extLst>
       <p:ext uri="{BB962C8B-B14F-4D97-AF65-F5344CB8AC3E}">
         <p14:creationId xmlns:p14="http://schemas.microsoft.com/office/powerpoint/2010/main" val="759444510"/>
+      </p:ext>
+    </p:extLst>
+  </p:cSld>
+  <p:clrMapOvr>
+    <a:masterClrMapping/>
+  </p:clrMapOvr>
+</p:notes>
+</file>
+
+<file path=ppt/notesSlides/notesSlide9.xml><?xml version="1.0" encoding="utf-8"?>
+<p:notes xmlns:a="http://schemas.openxmlformats.org/drawingml/2006/main" xmlns:r="http://schemas.openxmlformats.org/officeDocument/2006/relationships" xmlns:p="http://schemas.openxmlformats.org/presentationml/2006/main">
+  <p:cSld>
+    <p:spTree>
+      <p:nvGrpSpPr>
+        <p:cNvPr id="1" name="">
+          <a:extLst>
+            <a:ext uri="{FF2B5EF4-FFF2-40B4-BE49-F238E27FC236}">
+              <a16:creationId xmlns:a16="http://schemas.microsoft.com/office/drawing/2014/main" id="{CF50C440-7E7F-03FF-B50A-CBAE9BA3EA4E}"/>
+            </a:ext>
+          </a:extLst>
+        </p:cNvPr>
+        <p:cNvGrpSpPr/>
+        <p:nvPr/>
+      </p:nvGrpSpPr>
+      <p:grpSpPr>
+        <a:xfrm>
+          <a:off x="0" y="0"/>
+          <a:ext cx="0" cy="0"/>
+          <a:chOff x="0" y="0"/>
+          <a:chExt cx="0" cy="0"/>
+        </a:xfrm>
+      </p:grpSpPr>
+      <p:sp>
+        <p:nvSpPr>
+          <p:cNvPr id="2" name="Slide Image Placeholder 1">
+            <a:extLst>
+              <a:ext uri="{FF2B5EF4-FFF2-40B4-BE49-F238E27FC236}">
+                <a16:creationId xmlns:a16="http://schemas.microsoft.com/office/drawing/2014/main" id="{A0B3FD85-1565-D35C-B9EB-75ED5024DFBD}"/>
+              </a:ext>
+            </a:extLst>
+          </p:cNvPr>
+          <p:cNvSpPr>
+            <a:spLocks noGrp="1" noRot="1" noChangeAspect="1"/>
+          </p:cNvSpPr>
+          <p:nvPr>
+            <p:ph type="sldImg"/>
+          </p:nvPr>
+        </p:nvSpPr>
+        <p:spPr/>
+      </p:sp>
+      <p:sp>
+        <p:nvSpPr>
+          <p:cNvPr id="3" name="Notes Placeholder 2">
+            <a:extLst>
+              <a:ext uri="{FF2B5EF4-FFF2-40B4-BE49-F238E27FC236}">
+                <a16:creationId xmlns:a16="http://schemas.microsoft.com/office/drawing/2014/main" id="{32A4B37E-2A2E-F686-B13E-E8261D27329A}"/>
+              </a:ext>
+            </a:extLst>
+          </p:cNvPr>
+          <p:cNvSpPr>
+            <a:spLocks noGrp="1"/>
+          </p:cNvSpPr>
+          <p:nvPr>
+            <p:ph type="body" idx="1"/>
+          </p:nvPr>
+        </p:nvSpPr>
+        <p:spPr/>
+        <p:txBody>
+          <a:bodyPr/>
+          <a:lstStyle/>
+          <a:p>
+            <a:r>
+              <a:rPr lang="en-US" dirty="0"/>
+              <a:t>Pause and get examples for when this might be</a:t>
+            </a:r>
+          </a:p>
+          <a:p>
+            <a:endParaRPr lang="en-US" dirty="0"/>
+          </a:p>
+        </p:txBody>
+      </p:sp>
+      <p:sp>
+        <p:nvSpPr>
+          <p:cNvPr id="4" name="Slide Number Placeholder 3">
+            <a:extLst>
+              <a:ext uri="{FF2B5EF4-FFF2-40B4-BE49-F238E27FC236}">
+                <a16:creationId xmlns:a16="http://schemas.microsoft.com/office/drawing/2014/main" id="{238CBB2F-D226-A9E1-5054-2E4F54C28F02}"/>
+              </a:ext>
+            </a:extLst>
+          </p:cNvPr>
+          <p:cNvSpPr>
+            <a:spLocks noGrp="1"/>
+          </p:cNvSpPr>
+          <p:nvPr>
+            <p:ph type="sldNum" idx="12"/>
+          </p:nvPr>
+        </p:nvSpPr>
+        <p:spPr/>
+        <p:txBody>
+          <a:bodyPr/>
+          <a:lstStyle/>
+          <a:p>
+            <a:pPr marL="0" marR="0" lvl="0" indent="0" algn="r" rtl="0">
+              <a:spcBef>
+                <a:spcPts val="0"/>
+              </a:spcBef>
+              <a:spcAft>
+                <a:spcPts val="0"/>
+              </a:spcAft>
+              <a:buNone/>
+            </a:pPr>
+            <a:fld id="{00000000-1234-1234-1234-123412341234}" type="slidenum">
+              <a:rPr lang="en-US" sz="1200" b="0" i="0" u="none" strike="noStrike" cap="none" smtClean="0">
+                <a:solidFill>
+                  <a:schemeClr val="dk1"/>
+                </a:solidFill>
+                <a:latin typeface="Calibri"/>
+                <a:ea typeface="Calibri"/>
+                <a:cs typeface="Calibri"/>
+                <a:sym typeface="Calibri"/>
+              </a:rPr>
+              <a:t>12</a:t>
+            </a:fld>
+            <a:endParaRPr lang="en-US" sz="1200" b="0" i="0" u="none" strike="noStrike" cap="none">
+              <a:solidFill>
+                <a:schemeClr val="dk1"/>
+              </a:solidFill>
+              <a:latin typeface="Calibri"/>
+              <a:ea typeface="Calibri"/>
+              <a:cs typeface="Calibri"/>
+              <a:sym typeface="Calibri"/>
+            </a:endParaRPr>
+          </a:p>
+        </p:txBody>
+      </p:sp>
+    </p:spTree>
+    <p:extLst>
+      <p:ext uri="{BB962C8B-B14F-4D97-AF65-F5344CB8AC3E}">
+        <p14:creationId xmlns:p14="http://schemas.microsoft.com/office/powerpoint/2010/main" val="2330252866"/>
       </p:ext>
     </p:extLst>
   </p:cSld>
@@ -20239,7 +20661,177 @@
             <p:ph type="body" idx="1"/>
           </p:nvPr>
         </p:nvSpPr>
+        <p:spPr>
+          <a:xfrm>
+            <a:off x="2589212" y="2133600"/>
+            <a:ext cx="4878388" cy="3777622"/>
+          </a:xfrm>
+        </p:spPr>
+        <p:txBody>
+          <a:bodyPr/>
+          <a:lstStyle/>
+          <a:p>
+            <a:r>
+              <a:rPr lang="en-US" dirty="0"/>
+              <a:t>Think about when we see </a:t>
+            </a:r>
+            <a:r>
+              <a:rPr lang="en-US" dirty="0" err="1"/>
+              <a:t>nestedness</a:t>
+            </a:r>
+            <a:r>
+              <a:rPr lang="en-US" dirty="0"/>
+              <a:t> in nature</a:t>
+            </a:r>
+          </a:p>
+        </p:txBody>
+      </p:sp>
+      <p:pic>
+        <p:nvPicPr>
+          <p:cNvPr id="5" name="Picture 4">
+            <a:extLst>
+              <a:ext uri="{FF2B5EF4-FFF2-40B4-BE49-F238E27FC236}">
+                <a16:creationId xmlns:a16="http://schemas.microsoft.com/office/drawing/2014/main" id="{DEE2F2CF-5077-8727-D483-AB239EC5049A}"/>
+              </a:ext>
+            </a:extLst>
+          </p:cNvPr>
+          <p:cNvPicPr>
+            <a:picLocks noChangeAspect="1"/>
+          </p:cNvPicPr>
+          <p:nvPr/>
+        </p:nvPicPr>
+        <p:blipFill>
+          <a:blip r:embed="rId3"/>
+          <a:stretch>
+            <a:fillRect/>
+          </a:stretch>
+        </p:blipFill>
+        <p:spPr>
+          <a:xfrm>
+            <a:off x="7775114" y="1093696"/>
+            <a:ext cx="4207335" cy="2804890"/>
+          </a:xfrm>
+          <a:prstGeom prst="rect">
+            <a:avLst/>
+          </a:prstGeom>
+        </p:spPr>
+      </p:pic>
+      <p:pic>
+        <p:nvPicPr>
+          <p:cNvPr id="7" name="Picture 6">
+            <a:extLst>
+              <a:ext uri="{FF2B5EF4-FFF2-40B4-BE49-F238E27FC236}">
+                <a16:creationId xmlns:a16="http://schemas.microsoft.com/office/drawing/2014/main" id="{FCCD5F60-CF8D-89F6-2B10-FAC4DF2889B7}"/>
+              </a:ext>
+            </a:extLst>
+          </p:cNvPr>
+          <p:cNvPicPr>
+            <a:picLocks noChangeAspect="1"/>
+          </p:cNvPicPr>
+          <p:nvPr/>
+        </p:nvPicPr>
+        <p:blipFill>
+          <a:blip r:embed="rId4"/>
+          <a:stretch>
+            <a:fillRect/>
+          </a:stretch>
+        </p:blipFill>
+        <p:spPr>
+          <a:xfrm>
+            <a:off x="7775115" y="3898586"/>
+            <a:ext cx="4207334" cy="2804889"/>
+          </a:xfrm>
+          <a:prstGeom prst="rect">
+            <a:avLst/>
+          </a:prstGeom>
+        </p:spPr>
+      </p:pic>
+    </p:spTree>
+    <p:extLst>
+      <p:ext uri="{BB962C8B-B14F-4D97-AF65-F5344CB8AC3E}">
+        <p14:creationId xmlns:p14="http://schemas.microsoft.com/office/powerpoint/2010/main" val="1942689012"/>
+      </p:ext>
+    </p:extLst>
+  </p:cSld>
+  <p:clrMapOvr>
+    <a:masterClrMapping/>
+  </p:clrMapOvr>
+</p:sld>
+</file>
+
+<file path=ppt/slides/slide12.xml><?xml version="1.0" encoding="utf-8"?>
+<p:sld xmlns:a="http://schemas.openxmlformats.org/drawingml/2006/main" xmlns:r="http://schemas.openxmlformats.org/officeDocument/2006/relationships" xmlns:p="http://schemas.openxmlformats.org/presentationml/2006/main">
+  <p:cSld>
+    <p:spTree>
+      <p:nvGrpSpPr>
+        <p:cNvPr id="1" name="">
+          <a:extLst>
+            <a:ext uri="{FF2B5EF4-FFF2-40B4-BE49-F238E27FC236}">
+              <a16:creationId xmlns:a16="http://schemas.microsoft.com/office/drawing/2014/main" id="{236A5640-8BB5-8128-219D-1FEA67CC4310}"/>
+            </a:ext>
+          </a:extLst>
+        </p:cNvPr>
+        <p:cNvGrpSpPr/>
+        <p:nvPr/>
+      </p:nvGrpSpPr>
+      <p:grpSpPr>
+        <a:xfrm>
+          <a:off x="0" y="0"/>
+          <a:ext cx="0" cy="0"/>
+          <a:chOff x="0" y="0"/>
+          <a:chExt cx="0" cy="0"/>
+        </a:xfrm>
+      </p:grpSpPr>
+      <p:sp>
+        <p:nvSpPr>
+          <p:cNvPr id="2" name="Title 1">
+            <a:extLst>
+              <a:ext uri="{FF2B5EF4-FFF2-40B4-BE49-F238E27FC236}">
+                <a16:creationId xmlns:a16="http://schemas.microsoft.com/office/drawing/2014/main" id="{5F6E063F-5D08-ADA3-B6B0-F9195E11AE49}"/>
+              </a:ext>
+            </a:extLst>
+          </p:cNvPr>
+          <p:cNvSpPr>
+            <a:spLocks noGrp="1"/>
+          </p:cNvSpPr>
+          <p:nvPr>
+            <p:ph type="title"/>
+          </p:nvPr>
+        </p:nvSpPr>
         <p:spPr/>
+        <p:txBody>
+          <a:bodyPr/>
+          <a:lstStyle/>
+          <a:p>
+            <a:r>
+              <a:rPr lang="en-US" dirty="0"/>
+              <a:t>Random Effects Models</a:t>
+            </a:r>
+          </a:p>
+        </p:txBody>
+      </p:sp>
+      <p:sp>
+        <p:nvSpPr>
+          <p:cNvPr id="3" name="Text Placeholder 2">
+            <a:extLst>
+              <a:ext uri="{FF2B5EF4-FFF2-40B4-BE49-F238E27FC236}">
+                <a16:creationId xmlns:a16="http://schemas.microsoft.com/office/drawing/2014/main" id="{8A23C4C0-C8D2-AB3A-0C62-9A65ACC76F2A}"/>
+              </a:ext>
+            </a:extLst>
+          </p:cNvPr>
+          <p:cNvSpPr>
+            <a:spLocks noGrp="1"/>
+          </p:cNvSpPr>
+          <p:nvPr>
+            <p:ph type="body" idx="1"/>
+          </p:nvPr>
+        </p:nvSpPr>
+        <p:spPr>
+          <a:xfrm>
+            <a:off x="2589212" y="2133600"/>
+            <a:ext cx="4878388" cy="3777622"/>
+          </a:xfrm>
+        </p:spPr>
         <p:txBody>
           <a:bodyPr/>
           <a:lstStyle/>
@@ -20258,16 +20850,151 @@
             </a:r>
           </a:p>
           <a:p>
-            <a:endParaRPr lang="en-US" dirty="0"/>
+            <a:r>
+              <a:rPr lang="en-US" dirty="0"/>
+              <a:t>Block designs</a:t>
+            </a:r>
+          </a:p>
+        </p:txBody>
+      </p:sp>
+      <p:pic>
+        <p:nvPicPr>
+          <p:cNvPr id="5" name="Picture 4">
+            <a:extLst>
+              <a:ext uri="{FF2B5EF4-FFF2-40B4-BE49-F238E27FC236}">
+                <a16:creationId xmlns:a16="http://schemas.microsoft.com/office/drawing/2014/main" id="{DABAF08C-5776-9655-085E-F1013D836981}"/>
+              </a:ext>
+            </a:extLst>
+          </p:cNvPr>
+          <p:cNvPicPr>
+            <a:picLocks noChangeAspect="1"/>
+          </p:cNvPicPr>
+          <p:nvPr/>
+        </p:nvPicPr>
+        <p:blipFill>
+          <a:blip r:embed="rId3"/>
+          <a:stretch>
+            <a:fillRect/>
+          </a:stretch>
+        </p:blipFill>
+        <p:spPr>
+          <a:xfrm>
+            <a:off x="7775114" y="1093696"/>
+            <a:ext cx="4207335" cy="2804890"/>
+          </a:xfrm>
+          <a:prstGeom prst="rect">
+            <a:avLst/>
+          </a:prstGeom>
+        </p:spPr>
+      </p:pic>
+    </p:spTree>
+    <p:extLst>
+      <p:ext uri="{BB962C8B-B14F-4D97-AF65-F5344CB8AC3E}">
+        <p14:creationId xmlns:p14="http://schemas.microsoft.com/office/powerpoint/2010/main" val="240188938"/>
+      </p:ext>
+    </p:extLst>
+  </p:cSld>
+  <p:clrMapOvr>
+    <a:masterClrMapping/>
+  </p:clrMapOvr>
+</p:sld>
+</file>
+
+<file path=ppt/slides/slide13.xml><?xml version="1.0" encoding="utf-8"?>
+<p:sld xmlns:a="http://schemas.openxmlformats.org/drawingml/2006/main" xmlns:r="http://schemas.openxmlformats.org/officeDocument/2006/relationships" xmlns:p="http://schemas.openxmlformats.org/presentationml/2006/main">
+  <p:cSld>
+    <p:spTree>
+      <p:nvGrpSpPr>
+        <p:cNvPr id="1" name="">
+          <a:extLst>
+            <a:ext uri="{FF2B5EF4-FFF2-40B4-BE49-F238E27FC236}">
+              <a16:creationId xmlns:a16="http://schemas.microsoft.com/office/drawing/2014/main" id="{ECBAD10C-CE24-CF82-889E-DD7672112865}"/>
+            </a:ext>
+          </a:extLst>
+        </p:cNvPr>
+        <p:cNvGrpSpPr/>
+        <p:nvPr/>
+      </p:nvGrpSpPr>
+      <p:grpSpPr>
+        <a:xfrm>
+          <a:off x="0" y="0"/>
+          <a:ext cx="0" cy="0"/>
+          <a:chOff x="0" y="0"/>
+          <a:chExt cx="0" cy="0"/>
+        </a:xfrm>
+      </p:grpSpPr>
+      <p:sp>
+        <p:nvSpPr>
+          <p:cNvPr id="2" name="Title 1">
+            <a:extLst>
+              <a:ext uri="{FF2B5EF4-FFF2-40B4-BE49-F238E27FC236}">
+                <a16:creationId xmlns:a16="http://schemas.microsoft.com/office/drawing/2014/main" id="{5721A85F-04C8-4845-31E5-6459BA114F51}"/>
+              </a:ext>
+            </a:extLst>
+          </p:cNvPr>
+          <p:cNvSpPr>
+            <a:spLocks noGrp="1"/>
+          </p:cNvSpPr>
+          <p:nvPr>
+            <p:ph type="title"/>
+          </p:nvPr>
+        </p:nvSpPr>
+        <p:spPr/>
+        <p:txBody>
+          <a:bodyPr/>
+          <a:lstStyle/>
+          <a:p>
+            <a:r>
+              <a:rPr lang="en-US" dirty="0"/>
+              <a:t>Random Effects Models</a:t>
+            </a:r>
+          </a:p>
+        </p:txBody>
+      </p:sp>
+      <p:sp>
+        <p:nvSpPr>
+          <p:cNvPr id="3" name="Text Placeholder 2">
+            <a:extLst>
+              <a:ext uri="{FF2B5EF4-FFF2-40B4-BE49-F238E27FC236}">
+                <a16:creationId xmlns:a16="http://schemas.microsoft.com/office/drawing/2014/main" id="{994B66F7-4CCF-D612-A68A-6C9EEC26DFDF}"/>
+              </a:ext>
+            </a:extLst>
+          </p:cNvPr>
+          <p:cNvSpPr>
+            <a:spLocks noGrp="1"/>
+          </p:cNvSpPr>
+          <p:nvPr>
+            <p:ph type="body" idx="1"/>
+          </p:nvPr>
+        </p:nvSpPr>
+        <p:spPr>
+          <a:xfrm>
+            <a:off x="2589212" y="2133600"/>
+            <a:ext cx="4878388" cy="3777622"/>
+          </a:xfrm>
+        </p:spPr>
+        <p:txBody>
+          <a:bodyPr/>
+          <a:lstStyle/>
+          <a:p>
+            <a:r>
+              <a:rPr lang="en-US" dirty="0"/>
+              <a:t>Think about when we see </a:t>
+            </a:r>
+            <a:r>
+              <a:rPr lang="en-US" dirty="0" err="1"/>
+              <a:t>nestedness</a:t>
+            </a:r>
+            <a:r>
+              <a:rPr lang="en-US" dirty="0"/>
+              <a:t> in nature</a:t>
+            </a:r>
           </a:p>
           <a:p>
             <a:r>
               <a:rPr lang="en-US" dirty="0"/>
               <a:t>Block designs</a:t>
             </a:r>
-          </a:p>
-          <a:p>
-            <a:endParaRPr lang="en-US" dirty="0"/>
           </a:p>
           <a:p>
             <a:r>
@@ -20279,20 +21006,489 @@
             <a:pPr lvl="1"/>
             <a:r>
               <a:rPr lang="en-US" dirty="0"/>
-              <a:t>Maybe to just get rid </a:t>
+              <a:t>Maybe to just get rid of it!</a:t>
+            </a:r>
+          </a:p>
+        </p:txBody>
+      </p:sp>
+      <p:pic>
+        <p:nvPicPr>
+          <p:cNvPr id="5" name="Picture 4">
+            <a:extLst>
+              <a:ext uri="{FF2B5EF4-FFF2-40B4-BE49-F238E27FC236}">
+                <a16:creationId xmlns:a16="http://schemas.microsoft.com/office/drawing/2014/main" id="{17B90BA3-0B0D-E039-BF8D-BC277042964E}"/>
+              </a:ext>
+            </a:extLst>
+          </p:cNvPr>
+          <p:cNvPicPr>
+            <a:picLocks noChangeAspect="1"/>
+          </p:cNvPicPr>
+          <p:nvPr/>
+        </p:nvPicPr>
+        <p:blipFill>
+          <a:blip r:embed="rId3"/>
+          <a:stretch>
+            <a:fillRect/>
+          </a:stretch>
+        </p:blipFill>
+        <p:spPr>
+          <a:xfrm>
+            <a:off x="7775114" y="1093696"/>
+            <a:ext cx="4207335" cy="2804890"/>
+          </a:xfrm>
+          <a:prstGeom prst="rect">
+            <a:avLst/>
+          </a:prstGeom>
+        </p:spPr>
+      </p:pic>
+      <p:pic>
+        <p:nvPicPr>
+          <p:cNvPr id="7" name="Picture 6">
+            <a:extLst>
+              <a:ext uri="{FF2B5EF4-FFF2-40B4-BE49-F238E27FC236}">
+                <a16:creationId xmlns:a16="http://schemas.microsoft.com/office/drawing/2014/main" id="{3790634D-22E8-D447-F4EE-A8F953753A27}"/>
+              </a:ext>
+            </a:extLst>
+          </p:cNvPr>
+          <p:cNvPicPr>
+            <a:picLocks noChangeAspect="1"/>
+          </p:cNvPicPr>
+          <p:nvPr/>
+        </p:nvPicPr>
+        <p:blipFill>
+          <a:blip r:embed="rId4"/>
+          <a:stretch>
+            <a:fillRect/>
+          </a:stretch>
+        </p:blipFill>
+        <p:spPr>
+          <a:xfrm>
+            <a:off x="7775115" y="3898586"/>
+            <a:ext cx="4207334" cy="2804889"/>
+          </a:xfrm>
+          <a:prstGeom prst="rect">
+            <a:avLst/>
+          </a:prstGeom>
+        </p:spPr>
+      </p:pic>
+    </p:spTree>
+    <p:extLst>
+      <p:ext uri="{BB962C8B-B14F-4D97-AF65-F5344CB8AC3E}">
+        <p14:creationId xmlns:p14="http://schemas.microsoft.com/office/powerpoint/2010/main" val="3664937889"/>
+      </p:ext>
+    </p:extLst>
+  </p:cSld>
+  <p:clrMapOvr>
+    <a:masterClrMapping/>
+  </p:clrMapOvr>
+</p:sld>
+</file>
+
+<file path=ppt/slides/slide14.xml><?xml version="1.0" encoding="utf-8"?>
+<p:sld xmlns:a="http://schemas.openxmlformats.org/drawingml/2006/main" xmlns:r="http://schemas.openxmlformats.org/officeDocument/2006/relationships" xmlns:p="http://schemas.openxmlformats.org/presentationml/2006/main">
+  <p:cSld>
+    <p:spTree>
+      <p:nvGrpSpPr>
+        <p:cNvPr id="1" name="">
+          <a:extLst>
+            <a:ext uri="{FF2B5EF4-FFF2-40B4-BE49-F238E27FC236}">
+              <a16:creationId xmlns:a16="http://schemas.microsoft.com/office/drawing/2014/main" id="{3BE2D19D-F346-CFCC-E64E-F7B3CFD94E01}"/>
+            </a:ext>
+          </a:extLst>
+        </p:cNvPr>
+        <p:cNvGrpSpPr/>
+        <p:nvPr/>
+      </p:nvGrpSpPr>
+      <p:grpSpPr>
+        <a:xfrm>
+          <a:off x="0" y="0"/>
+          <a:ext cx="0" cy="0"/>
+          <a:chOff x="0" y="0"/>
+          <a:chExt cx="0" cy="0"/>
+        </a:xfrm>
+      </p:grpSpPr>
+      <p:sp>
+        <p:nvSpPr>
+          <p:cNvPr id="2" name="Title 1">
+            <a:extLst>
+              <a:ext uri="{FF2B5EF4-FFF2-40B4-BE49-F238E27FC236}">
+                <a16:creationId xmlns:a16="http://schemas.microsoft.com/office/drawing/2014/main" id="{3EABD041-7730-1C01-115C-99D796517D09}"/>
+              </a:ext>
+            </a:extLst>
+          </p:cNvPr>
+          <p:cNvSpPr>
+            <a:spLocks noGrp="1"/>
+          </p:cNvSpPr>
+          <p:nvPr>
+            <p:ph type="title"/>
+          </p:nvPr>
+        </p:nvSpPr>
+        <p:spPr/>
+        <p:txBody>
+          <a:bodyPr/>
+          <a:lstStyle/>
+          <a:p>
+            <a:r>
+              <a:rPr lang="en-US" dirty="0"/>
+              <a:t>Random Effects Models</a:t>
+            </a:r>
+          </a:p>
+        </p:txBody>
+      </p:sp>
+      <p:sp>
+        <p:nvSpPr>
+          <p:cNvPr id="3" name="Text Placeholder 2">
+            <a:extLst>
+              <a:ext uri="{FF2B5EF4-FFF2-40B4-BE49-F238E27FC236}">
+                <a16:creationId xmlns:a16="http://schemas.microsoft.com/office/drawing/2014/main" id="{D7955069-EF9C-8A0F-68BC-16AC1FFE1FE9}"/>
+              </a:ext>
+            </a:extLst>
+          </p:cNvPr>
+          <p:cNvSpPr>
+            <a:spLocks noGrp="1"/>
+          </p:cNvSpPr>
+          <p:nvPr>
+            <p:ph type="body" idx="1"/>
+          </p:nvPr>
+        </p:nvSpPr>
+        <p:spPr>
+          <a:xfrm>
+            <a:off x="2589212" y="2133600"/>
+            <a:ext cx="4878388" cy="3777622"/>
+          </a:xfrm>
+        </p:spPr>
+        <p:txBody>
+          <a:bodyPr/>
+          <a:lstStyle/>
+          <a:p>
+            <a:r>
+              <a:rPr lang="en-US" dirty="0"/>
+              <a:t>Think about when we see </a:t>
             </a:r>
             <a:r>
-              <a:rPr lang="en-US"/>
-              <a:t>of it!</a:t>
+              <a:rPr lang="en-US" dirty="0" err="1"/>
+              <a:t>nestedness</a:t>
+            </a:r>
+            <a:r>
+              <a:rPr lang="en-US" dirty="0"/>
+              <a:t> in nature</a:t>
+            </a:r>
+          </a:p>
+          <a:p>
+            <a:r>
+              <a:rPr lang="en-US" dirty="0"/>
+              <a:t>Block designs</a:t>
+            </a:r>
+          </a:p>
+          <a:p>
+            <a:r>
+              <a:rPr lang="en-US" dirty="0"/>
+              <a:t>Interested in quantifying the variation that we can explain</a:t>
+            </a:r>
+          </a:p>
+          <a:p>
+            <a:pPr lvl="1"/>
+            <a:r>
+              <a:rPr lang="en-US" dirty="0"/>
+              <a:t>Maybe to just get rid of it!</a:t>
+            </a:r>
+          </a:p>
+          <a:p>
+            <a:r>
+              <a:rPr lang="en-US" dirty="0"/>
+              <a:t>Remember - the more organized your experimental design, the less intense your statistics</a:t>
+            </a:r>
+          </a:p>
+        </p:txBody>
+      </p:sp>
+      <p:pic>
+        <p:nvPicPr>
+          <p:cNvPr id="5" name="Picture 4">
+            <a:extLst>
+              <a:ext uri="{FF2B5EF4-FFF2-40B4-BE49-F238E27FC236}">
+                <a16:creationId xmlns:a16="http://schemas.microsoft.com/office/drawing/2014/main" id="{DC0FA1CE-1083-14AB-1433-06C5CEC5036A}"/>
+              </a:ext>
+            </a:extLst>
+          </p:cNvPr>
+          <p:cNvPicPr>
+            <a:picLocks noChangeAspect="1"/>
+          </p:cNvPicPr>
+          <p:nvPr/>
+        </p:nvPicPr>
+        <p:blipFill>
+          <a:blip r:embed="rId3"/>
+          <a:stretch>
+            <a:fillRect/>
+          </a:stretch>
+        </p:blipFill>
+        <p:spPr>
+          <a:xfrm>
+            <a:off x="7775114" y="1093696"/>
+            <a:ext cx="4207335" cy="2804890"/>
+          </a:xfrm>
+          <a:prstGeom prst="rect">
+            <a:avLst/>
+          </a:prstGeom>
+        </p:spPr>
+      </p:pic>
+      <p:pic>
+        <p:nvPicPr>
+          <p:cNvPr id="7" name="Picture 6">
+            <a:extLst>
+              <a:ext uri="{FF2B5EF4-FFF2-40B4-BE49-F238E27FC236}">
+                <a16:creationId xmlns:a16="http://schemas.microsoft.com/office/drawing/2014/main" id="{2315156A-9D36-A196-177A-413A50113EFD}"/>
+              </a:ext>
+            </a:extLst>
+          </p:cNvPr>
+          <p:cNvPicPr>
+            <a:picLocks noChangeAspect="1"/>
+          </p:cNvPicPr>
+          <p:nvPr/>
+        </p:nvPicPr>
+        <p:blipFill>
+          <a:blip r:embed="rId4"/>
+          <a:stretch>
+            <a:fillRect/>
+          </a:stretch>
+        </p:blipFill>
+        <p:spPr>
+          <a:xfrm>
+            <a:off x="7775115" y="3898586"/>
+            <a:ext cx="4207334" cy="2804889"/>
+          </a:xfrm>
+          <a:prstGeom prst="rect">
+            <a:avLst/>
+          </a:prstGeom>
+        </p:spPr>
+      </p:pic>
+    </p:spTree>
+    <p:extLst>
+      <p:ext uri="{BB962C8B-B14F-4D97-AF65-F5344CB8AC3E}">
+        <p14:creationId xmlns:p14="http://schemas.microsoft.com/office/powerpoint/2010/main" val="2007595794"/>
+      </p:ext>
+    </p:extLst>
+  </p:cSld>
+  <p:clrMapOvr>
+    <a:masterClrMapping/>
+  </p:clrMapOvr>
+</p:sld>
+</file>
+
+<file path=ppt/slides/slide15.xml><?xml version="1.0" encoding="utf-8"?>
+<p:sld xmlns:a="http://schemas.openxmlformats.org/drawingml/2006/main" xmlns:r="http://schemas.openxmlformats.org/officeDocument/2006/relationships" xmlns:p="http://schemas.openxmlformats.org/presentationml/2006/main">
+  <p:cSld>
+    <p:spTree>
+      <p:nvGrpSpPr>
+        <p:cNvPr id="1" name=""/>
+        <p:cNvGrpSpPr/>
+        <p:nvPr/>
+      </p:nvGrpSpPr>
+      <p:grpSpPr>
+        <a:xfrm>
+          <a:off x="0" y="0"/>
+          <a:ext cx="0" cy="0"/>
+          <a:chOff x="0" y="0"/>
+          <a:chExt cx="0" cy="0"/>
+        </a:xfrm>
+      </p:grpSpPr>
+      <p:sp>
+        <p:nvSpPr>
+          <p:cNvPr id="2" name="Title 1">
+            <a:extLst>
+              <a:ext uri="{FF2B5EF4-FFF2-40B4-BE49-F238E27FC236}">
+                <a16:creationId xmlns:a16="http://schemas.microsoft.com/office/drawing/2014/main" id="{C2DF8ED0-41B2-2FBC-7335-13C78BEDDFDE}"/>
+              </a:ext>
+            </a:extLst>
+          </p:cNvPr>
+          <p:cNvSpPr>
+            <a:spLocks noGrp="1"/>
+          </p:cNvSpPr>
+          <p:nvPr>
+            <p:ph type="title"/>
+          </p:nvPr>
+        </p:nvSpPr>
+        <p:spPr>
+          <a:xfrm>
+            <a:off x="2592925" y="671735"/>
+            <a:ext cx="8911687" cy="1280890"/>
+          </a:xfrm>
+        </p:spPr>
+        <p:txBody>
+          <a:bodyPr/>
+          <a:lstStyle/>
+          <a:p>
+            <a:r>
+              <a:rPr lang="en-US" dirty="0"/>
+              <a:t>How do I know if I need mixed effects?</a:t>
+            </a:r>
+          </a:p>
+        </p:txBody>
+      </p:sp>
+      <p:sp>
+        <p:nvSpPr>
+          <p:cNvPr id="3" name="Text Placeholder 2">
+            <a:extLst>
+              <a:ext uri="{FF2B5EF4-FFF2-40B4-BE49-F238E27FC236}">
+                <a16:creationId xmlns:a16="http://schemas.microsoft.com/office/drawing/2014/main" id="{E6478BFE-CFF7-9BD3-7DB7-ADF1A608C39F}"/>
+              </a:ext>
+            </a:extLst>
+          </p:cNvPr>
+          <p:cNvSpPr>
+            <a:spLocks noGrp="1"/>
+          </p:cNvSpPr>
+          <p:nvPr>
+            <p:ph type="body" idx="1"/>
+          </p:nvPr>
+        </p:nvSpPr>
+        <p:spPr/>
+        <p:txBody>
+          <a:bodyPr/>
+          <a:lstStyle/>
+          <a:p>
+            <a:r>
+              <a:rPr lang="en-US" dirty="0"/>
+              <a:t>Logic – I can see hierarchy in my design</a:t>
+            </a:r>
+          </a:p>
+          <a:p>
+            <a:pPr lvl="1"/>
+            <a:r>
+              <a:rPr lang="en-US" dirty="0"/>
+              <a:t>Multiple individuals per sampling site</a:t>
+            </a:r>
+          </a:p>
+          <a:p>
+            <a:pPr lvl="1"/>
+            <a:r>
+              <a:rPr lang="en-US" dirty="0"/>
+              <a:t>Multiple sampling sites per city</a:t>
+            </a:r>
+          </a:p>
+          <a:p>
+            <a:pPr lvl="1"/>
+            <a:r>
+              <a:rPr lang="en-US" dirty="0"/>
+              <a:t>Multiple cities </a:t>
+            </a:r>
+            <a:r>
+              <a:rPr lang="en-US" dirty="0" err="1"/>
+              <a:t>etc</a:t>
             </a:r>
             <a:endParaRPr lang="en-US" dirty="0"/>
+          </a:p>
+          <a:p>
+            <a:r>
+              <a:rPr lang="en-US" dirty="0"/>
+              <a:t>Stats – clustering of points around something I can quantify</a:t>
+            </a:r>
+          </a:p>
+          <a:p>
+            <a:pPr lvl="1"/>
+            <a:r>
+              <a:rPr lang="en-US" dirty="0"/>
+              <a:t>All of the individuals in the top corner were sampled in winter, all those in the bottom summer, </a:t>
+            </a:r>
+            <a:r>
+              <a:rPr lang="en-US" dirty="0" err="1"/>
+              <a:t>etc</a:t>
+            </a:r>
+            <a:endParaRPr lang="en-US" dirty="0"/>
+          </a:p>
+          <a:p>
+            <a:r>
+              <a:rPr lang="en-US" dirty="0"/>
+              <a:t>A variable (always a factor!) is adding noise that I’m not interested in</a:t>
+            </a:r>
           </a:p>
         </p:txBody>
       </p:sp>
     </p:spTree>
     <p:extLst>
       <p:ext uri="{BB962C8B-B14F-4D97-AF65-F5344CB8AC3E}">
-        <p14:creationId xmlns:p14="http://schemas.microsoft.com/office/powerpoint/2010/main" val="1942689012"/>
+        <p14:creationId xmlns:p14="http://schemas.microsoft.com/office/powerpoint/2010/main" val="1562252721"/>
+      </p:ext>
+    </p:extLst>
+  </p:cSld>
+  <p:clrMapOvr>
+    <a:masterClrMapping/>
+  </p:clrMapOvr>
+</p:sld>
+</file>
+
+<file path=ppt/slides/slide16.xml><?xml version="1.0" encoding="utf-8"?>
+<p:sld xmlns:a="http://schemas.openxmlformats.org/drawingml/2006/main" xmlns:r="http://schemas.openxmlformats.org/officeDocument/2006/relationships" xmlns:p="http://schemas.openxmlformats.org/presentationml/2006/main">
+  <p:cSld>
+    <p:spTree>
+      <p:nvGrpSpPr>
+        <p:cNvPr id="1" name=""/>
+        <p:cNvGrpSpPr/>
+        <p:nvPr/>
+      </p:nvGrpSpPr>
+      <p:grpSpPr>
+        <a:xfrm>
+          <a:off x="0" y="0"/>
+          <a:ext cx="0" cy="0"/>
+          <a:chOff x="0" y="0"/>
+          <a:chExt cx="0" cy="0"/>
+        </a:xfrm>
+      </p:grpSpPr>
+      <p:sp>
+        <p:nvSpPr>
+          <p:cNvPr id="2" name="Title 1">
+            <a:extLst>
+              <a:ext uri="{FF2B5EF4-FFF2-40B4-BE49-F238E27FC236}">
+                <a16:creationId xmlns:a16="http://schemas.microsoft.com/office/drawing/2014/main" id="{8AEFCD01-33BD-2ACE-DFB8-826A9A61C4DF}"/>
+              </a:ext>
+            </a:extLst>
+          </p:cNvPr>
+          <p:cNvSpPr>
+            <a:spLocks noGrp="1"/>
+          </p:cNvSpPr>
+          <p:nvPr>
+            <p:ph type="title"/>
+          </p:nvPr>
+        </p:nvSpPr>
+        <p:spPr/>
+        <p:txBody>
+          <a:bodyPr/>
+          <a:lstStyle/>
+          <a:p>
+            <a:r>
+              <a:rPr lang="en-US" dirty="0"/>
+              <a:t>Fixed vs Random effect?</a:t>
+            </a:r>
+          </a:p>
+        </p:txBody>
+      </p:sp>
+      <p:sp>
+        <p:nvSpPr>
+          <p:cNvPr id="3" name="Text Placeholder 2">
+            <a:extLst>
+              <a:ext uri="{FF2B5EF4-FFF2-40B4-BE49-F238E27FC236}">
+                <a16:creationId xmlns:a16="http://schemas.microsoft.com/office/drawing/2014/main" id="{AAC6E499-8670-979D-EF1C-FA21180F4082}"/>
+              </a:ext>
+            </a:extLst>
+          </p:cNvPr>
+          <p:cNvSpPr>
+            <a:spLocks noGrp="1"/>
+          </p:cNvSpPr>
+          <p:nvPr>
+            <p:ph type="body" idx="1"/>
+          </p:nvPr>
+        </p:nvSpPr>
+        <p:spPr/>
+        <p:txBody>
+          <a:bodyPr/>
+          <a:lstStyle/>
+          <a:p>
+            <a:endParaRPr lang="en-US"/>
+          </a:p>
+        </p:txBody>
+      </p:sp>
+    </p:spTree>
+    <p:extLst>
+      <p:ext uri="{BB962C8B-B14F-4D97-AF65-F5344CB8AC3E}">
+        <p14:creationId xmlns:p14="http://schemas.microsoft.com/office/powerpoint/2010/main" val="4259302244"/>
       </p:ext>
     </p:extLst>
   </p:cSld>

--- a/Lecture6.pptx
+++ b/Lecture6.pptx
@@ -5,7 +5,7 @@
     <p:sldMasterId id="2147483648" r:id="rId1"/>
   </p:sldMasterIdLst>
   <p:notesMasterIdLst>
-    <p:notesMasterId r:id="rId18"/>
+    <p:notesMasterId r:id="rId25"/>
   </p:notesMasterIdLst>
   <p:sldIdLst>
     <p:sldId id="256" r:id="rId2"/>
@@ -23,17 +23,24 @@
     <p:sldId id="269" r:id="rId14"/>
     <p:sldId id="270" r:id="rId15"/>
     <p:sldId id="268" r:id="rId16"/>
-    <p:sldId id="267" r:id="rId17"/>
+    <p:sldId id="273" r:id="rId17"/>
+    <p:sldId id="272" r:id="rId18"/>
+    <p:sldId id="267" r:id="rId19"/>
+    <p:sldId id="276" r:id="rId20"/>
+    <p:sldId id="275" r:id="rId21"/>
+    <p:sldId id="274" r:id="rId22"/>
+    <p:sldId id="277" r:id="rId23"/>
+    <p:sldId id="278" r:id="rId24"/>
   </p:sldIdLst>
   <p:sldSz cx="12192000" cy="6858000"/>
   <p:notesSz cx="6858000" cy="9144000"/>
   <p:embeddedFontLst>
     <p:embeddedFont>
       <p:font typeface="Century Gothic" panose="020B0502020202020204" pitchFamily="34" charset="0"/>
-      <p:regular r:id="rId19"/>
-      <p:bold r:id="rId20"/>
-      <p:italic r:id="rId21"/>
-      <p:boldItalic r:id="rId22"/>
+      <p:regular r:id="rId26"/>
+      <p:bold r:id="rId27"/>
+      <p:italic r:id="rId28"/>
+      <p:boldItalic r:id="rId29"/>
     </p:embeddedFont>
   </p:embeddedFontLst>
   <p:defaultTextStyle>
@@ -1846,6 +1853,118 @@
     <p:extLst>
       <p:ext uri="{BB962C8B-B14F-4D97-AF65-F5344CB8AC3E}">
         <p14:creationId xmlns:p14="http://schemas.microsoft.com/office/powerpoint/2010/main" val="2788575891"/>
+      </p:ext>
+    </p:extLst>
+  </p:cSld>
+  <p:clrMapOvr>
+    <a:masterClrMapping/>
+  </p:clrMapOvr>
+</p:notes>
+</file>
+
+<file path=ppt/notesSlides/notesSlide12.xml><?xml version="1.0" encoding="utf-8"?>
+<p:notes xmlns:a="http://schemas.openxmlformats.org/drawingml/2006/main" xmlns:r="http://schemas.openxmlformats.org/officeDocument/2006/relationships" xmlns:p="http://schemas.openxmlformats.org/presentationml/2006/main">
+  <p:cSld>
+    <p:spTree>
+      <p:nvGrpSpPr>
+        <p:cNvPr id="1" name=""/>
+        <p:cNvGrpSpPr/>
+        <p:nvPr/>
+      </p:nvGrpSpPr>
+      <p:grpSpPr>
+        <a:xfrm>
+          <a:off x="0" y="0"/>
+          <a:ext cx="0" cy="0"/>
+          <a:chOff x="0" y="0"/>
+          <a:chExt cx="0" cy="0"/>
+        </a:xfrm>
+      </p:grpSpPr>
+      <p:sp>
+        <p:nvSpPr>
+          <p:cNvPr id="2" name="Slide Image Placeholder 1"/>
+          <p:cNvSpPr>
+            <a:spLocks noGrp="1" noRot="1" noChangeAspect="1"/>
+          </p:cNvSpPr>
+          <p:nvPr>
+            <p:ph type="sldImg"/>
+          </p:nvPr>
+        </p:nvSpPr>
+        <p:spPr/>
+      </p:sp>
+      <p:sp>
+        <p:nvSpPr>
+          <p:cNvPr id="3" name="Notes Placeholder 2"/>
+          <p:cNvSpPr>
+            <a:spLocks noGrp="1"/>
+          </p:cNvSpPr>
+          <p:nvPr>
+            <p:ph type="body" idx="1"/>
+          </p:nvPr>
+        </p:nvSpPr>
+        <p:spPr/>
+        <p:txBody>
+          <a:bodyPr/>
+          <a:lstStyle/>
+          <a:p>
+            <a:r>
+              <a:rPr lang="en-US" dirty="0"/>
+              <a:t>Think about why this is valuable in terms of reducible vs irreducible error.</a:t>
+            </a:r>
+          </a:p>
+        </p:txBody>
+      </p:sp>
+      <p:sp>
+        <p:nvSpPr>
+          <p:cNvPr id="4" name="Slide Number Placeholder 3"/>
+          <p:cNvSpPr>
+            <a:spLocks noGrp="1"/>
+          </p:cNvSpPr>
+          <p:nvPr>
+            <p:ph type="sldNum" idx="12"/>
+          </p:nvPr>
+        </p:nvSpPr>
+        <p:spPr/>
+        <p:txBody>
+          <a:bodyPr/>
+          <a:lstStyle/>
+          <a:p>
+            <a:pPr marL="0" marR="0" lvl="0" indent="0" algn="r" rtl="0">
+              <a:spcBef>
+                <a:spcPts val="0"/>
+              </a:spcBef>
+              <a:spcAft>
+                <a:spcPts val="0"/>
+              </a:spcAft>
+              <a:buNone/>
+            </a:pPr>
+            <a:fld id="{00000000-1234-1234-1234-123412341234}" type="slidenum">
+              <a:rPr lang="en-US" sz="1200" b="0" i="0" u="none" strike="noStrike" cap="none" smtClean="0">
+                <a:solidFill>
+                  <a:schemeClr val="dk1"/>
+                </a:solidFill>
+                <a:latin typeface="Calibri"/>
+                <a:ea typeface="Calibri"/>
+                <a:cs typeface="Calibri"/>
+                <a:sym typeface="Calibri"/>
+              </a:rPr>
+              <a:t>15</a:t>
+            </a:fld>
+            <a:endParaRPr lang="en-US" sz="1200" b="0" i="0" u="none" strike="noStrike" cap="none">
+              <a:solidFill>
+                <a:schemeClr val="dk1"/>
+              </a:solidFill>
+              <a:latin typeface="Calibri"/>
+              <a:ea typeface="Calibri"/>
+              <a:cs typeface="Calibri"/>
+              <a:sym typeface="Calibri"/>
+            </a:endParaRPr>
+          </a:p>
+        </p:txBody>
+      </p:sp>
+    </p:spTree>
+    <p:extLst>
+      <p:ext uri="{BB962C8B-B14F-4D97-AF65-F5344CB8AC3E}">
+        <p14:creationId xmlns:p14="http://schemas.microsoft.com/office/powerpoint/2010/main" val="4143484373"/>
       </p:ext>
     </p:extLst>
   </p:cSld>
@@ -21376,30 +21495,6 @@
             </a:r>
             <a:endParaRPr lang="en-US" dirty="0"/>
           </a:p>
-          <a:p>
-            <a:r>
-              <a:rPr lang="en-US" dirty="0"/>
-              <a:t>Stats – clustering of points around something I can quantify</a:t>
-            </a:r>
-          </a:p>
-          <a:p>
-            <a:pPr lvl="1"/>
-            <a:r>
-              <a:rPr lang="en-US" dirty="0"/>
-              <a:t>All of the individuals in the top corner were sampled in winter, all those in the bottom summer, </a:t>
-            </a:r>
-            <a:r>
-              <a:rPr lang="en-US" dirty="0" err="1"/>
-              <a:t>etc</a:t>
-            </a:r>
-            <a:endParaRPr lang="en-US" dirty="0"/>
-          </a:p>
-          <a:p>
-            <a:r>
-              <a:rPr lang="en-US" dirty="0"/>
-              <a:t>A variable (always a factor!) is adding noise that I’m not interested in</a:t>
-            </a:r>
-          </a:p>
         </p:txBody>
       </p:sp>
     </p:spTree>
@@ -21416,6 +21511,294 @@
 </file>
 
 <file path=ppt/slides/slide16.xml><?xml version="1.0" encoding="utf-8"?>
+<p:sld xmlns:a="http://schemas.openxmlformats.org/drawingml/2006/main" xmlns:r="http://schemas.openxmlformats.org/officeDocument/2006/relationships" xmlns:p="http://schemas.openxmlformats.org/presentationml/2006/main">
+  <p:cSld>
+    <p:spTree>
+      <p:nvGrpSpPr>
+        <p:cNvPr id="1" name="">
+          <a:extLst>
+            <a:ext uri="{FF2B5EF4-FFF2-40B4-BE49-F238E27FC236}">
+              <a16:creationId xmlns:a16="http://schemas.microsoft.com/office/drawing/2014/main" id="{3F77AC2D-58A5-727B-290E-B1F7A4EEA23E}"/>
+            </a:ext>
+          </a:extLst>
+        </p:cNvPr>
+        <p:cNvGrpSpPr/>
+        <p:nvPr/>
+      </p:nvGrpSpPr>
+      <p:grpSpPr>
+        <a:xfrm>
+          <a:off x="0" y="0"/>
+          <a:ext cx="0" cy="0"/>
+          <a:chOff x="0" y="0"/>
+          <a:chExt cx="0" cy="0"/>
+        </a:xfrm>
+      </p:grpSpPr>
+      <p:sp>
+        <p:nvSpPr>
+          <p:cNvPr id="2" name="Title 1">
+            <a:extLst>
+              <a:ext uri="{FF2B5EF4-FFF2-40B4-BE49-F238E27FC236}">
+                <a16:creationId xmlns:a16="http://schemas.microsoft.com/office/drawing/2014/main" id="{6732DDC5-65A3-E376-A1B4-BAE3D5B0D870}"/>
+              </a:ext>
+            </a:extLst>
+          </p:cNvPr>
+          <p:cNvSpPr>
+            <a:spLocks noGrp="1"/>
+          </p:cNvSpPr>
+          <p:nvPr>
+            <p:ph type="title"/>
+          </p:nvPr>
+        </p:nvSpPr>
+        <p:spPr>
+          <a:xfrm>
+            <a:off x="2592925" y="671735"/>
+            <a:ext cx="8911687" cy="1280890"/>
+          </a:xfrm>
+        </p:spPr>
+        <p:txBody>
+          <a:bodyPr/>
+          <a:lstStyle/>
+          <a:p>
+            <a:r>
+              <a:rPr lang="en-US" dirty="0"/>
+              <a:t>How do I know if I need mixed effects?</a:t>
+            </a:r>
+          </a:p>
+        </p:txBody>
+      </p:sp>
+      <p:sp>
+        <p:nvSpPr>
+          <p:cNvPr id="3" name="Text Placeholder 2">
+            <a:extLst>
+              <a:ext uri="{FF2B5EF4-FFF2-40B4-BE49-F238E27FC236}">
+                <a16:creationId xmlns:a16="http://schemas.microsoft.com/office/drawing/2014/main" id="{B5C1AAC1-407D-2633-45E0-E30CC79B4BCA}"/>
+              </a:ext>
+            </a:extLst>
+          </p:cNvPr>
+          <p:cNvSpPr>
+            <a:spLocks noGrp="1"/>
+          </p:cNvSpPr>
+          <p:nvPr>
+            <p:ph type="body" idx="1"/>
+          </p:nvPr>
+        </p:nvSpPr>
+        <p:spPr/>
+        <p:txBody>
+          <a:bodyPr/>
+          <a:lstStyle/>
+          <a:p>
+            <a:r>
+              <a:rPr lang="en-US" dirty="0"/>
+              <a:t>Logic – I can see hierarchy in my design</a:t>
+            </a:r>
+          </a:p>
+          <a:p>
+            <a:pPr lvl="1"/>
+            <a:r>
+              <a:rPr lang="en-US" dirty="0"/>
+              <a:t>Multiple individuals per sampling site</a:t>
+            </a:r>
+          </a:p>
+          <a:p>
+            <a:pPr lvl="1"/>
+            <a:r>
+              <a:rPr lang="en-US" dirty="0"/>
+              <a:t>Multiple sampling sites per city</a:t>
+            </a:r>
+          </a:p>
+          <a:p>
+            <a:pPr lvl="1"/>
+            <a:r>
+              <a:rPr lang="en-US" dirty="0"/>
+              <a:t>Multiple cities </a:t>
+            </a:r>
+            <a:r>
+              <a:rPr lang="en-US" dirty="0" err="1"/>
+              <a:t>etc</a:t>
+            </a:r>
+            <a:endParaRPr lang="en-US" dirty="0"/>
+          </a:p>
+          <a:p>
+            <a:r>
+              <a:rPr lang="en-US" dirty="0"/>
+              <a:t>Stats – clustering of points around something I can quantify</a:t>
+            </a:r>
+          </a:p>
+          <a:p>
+            <a:pPr lvl="1"/>
+            <a:r>
+              <a:rPr lang="en-US" dirty="0"/>
+              <a:t>All of the individuals in the top corner were sampled in winter, all those in the bottom summer, </a:t>
+            </a:r>
+            <a:r>
+              <a:rPr lang="en-US" dirty="0" err="1"/>
+              <a:t>etc</a:t>
+            </a:r>
+            <a:endParaRPr lang="en-US" dirty="0"/>
+          </a:p>
+        </p:txBody>
+      </p:sp>
+    </p:spTree>
+    <p:extLst>
+      <p:ext uri="{BB962C8B-B14F-4D97-AF65-F5344CB8AC3E}">
+        <p14:creationId xmlns:p14="http://schemas.microsoft.com/office/powerpoint/2010/main" val="1475464676"/>
+      </p:ext>
+    </p:extLst>
+  </p:cSld>
+  <p:clrMapOvr>
+    <a:masterClrMapping/>
+  </p:clrMapOvr>
+</p:sld>
+</file>
+
+<file path=ppt/slides/slide17.xml><?xml version="1.0" encoding="utf-8"?>
+<p:sld xmlns:a="http://schemas.openxmlformats.org/drawingml/2006/main" xmlns:r="http://schemas.openxmlformats.org/officeDocument/2006/relationships" xmlns:p="http://schemas.openxmlformats.org/presentationml/2006/main">
+  <p:cSld>
+    <p:spTree>
+      <p:nvGrpSpPr>
+        <p:cNvPr id="1" name="">
+          <a:extLst>
+            <a:ext uri="{FF2B5EF4-FFF2-40B4-BE49-F238E27FC236}">
+              <a16:creationId xmlns:a16="http://schemas.microsoft.com/office/drawing/2014/main" id="{FDA9C969-5050-E99A-CD99-949E56E56B16}"/>
+            </a:ext>
+          </a:extLst>
+        </p:cNvPr>
+        <p:cNvGrpSpPr/>
+        <p:nvPr/>
+      </p:nvGrpSpPr>
+      <p:grpSpPr>
+        <a:xfrm>
+          <a:off x="0" y="0"/>
+          <a:ext cx="0" cy="0"/>
+          <a:chOff x="0" y="0"/>
+          <a:chExt cx="0" cy="0"/>
+        </a:xfrm>
+      </p:grpSpPr>
+      <p:sp>
+        <p:nvSpPr>
+          <p:cNvPr id="2" name="Title 1">
+            <a:extLst>
+              <a:ext uri="{FF2B5EF4-FFF2-40B4-BE49-F238E27FC236}">
+                <a16:creationId xmlns:a16="http://schemas.microsoft.com/office/drawing/2014/main" id="{930F65EC-E106-5CB1-CE00-56BC1C7A276D}"/>
+              </a:ext>
+            </a:extLst>
+          </p:cNvPr>
+          <p:cNvSpPr>
+            <a:spLocks noGrp="1"/>
+          </p:cNvSpPr>
+          <p:nvPr>
+            <p:ph type="title"/>
+          </p:nvPr>
+        </p:nvSpPr>
+        <p:spPr>
+          <a:xfrm>
+            <a:off x="2592925" y="671735"/>
+            <a:ext cx="8911687" cy="1280890"/>
+          </a:xfrm>
+        </p:spPr>
+        <p:txBody>
+          <a:bodyPr/>
+          <a:lstStyle/>
+          <a:p>
+            <a:r>
+              <a:rPr lang="en-US" dirty="0"/>
+              <a:t>How do I know if I need mixed effects?</a:t>
+            </a:r>
+          </a:p>
+        </p:txBody>
+      </p:sp>
+      <p:sp>
+        <p:nvSpPr>
+          <p:cNvPr id="3" name="Text Placeholder 2">
+            <a:extLst>
+              <a:ext uri="{FF2B5EF4-FFF2-40B4-BE49-F238E27FC236}">
+                <a16:creationId xmlns:a16="http://schemas.microsoft.com/office/drawing/2014/main" id="{8298183D-28DE-CAB0-A737-44A33A335EFB}"/>
+              </a:ext>
+            </a:extLst>
+          </p:cNvPr>
+          <p:cNvSpPr>
+            <a:spLocks noGrp="1"/>
+          </p:cNvSpPr>
+          <p:nvPr>
+            <p:ph type="body" idx="1"/>
+          </p:nvPr>
+        </p:nvSpPr>
+        <p:spPr/>
+        <p:txBody>
+          <a:bodyPr/>
+          <a:lstStyle/>
+          <a:p>
+            <a:r>
+              <a:rPr lang="en-US" dirty="0"/>
+              <a:t>Logic – I can see hierarchy in my design</a:t>
+            </a:r>
+          </a:p>
+          <a:p>
+            <a:pPr lvl="1"/>
+            <a:r>
+              <a:rPr lang="en-US" dirty="0"/>
+              <a:t>Multiple individuals per sampling site</a:t>
+            </a:r>
+          </a:p>
+          <a:p>
+            <a:pPr lvl="1"/>
+            <a:r>
+              <a:rPr lang="en-US" dirty="0"/>
+              <a:t>Multiple sampling sites per city</a:t>
+            </a:r>
+          </a:p>
+          <a:p>
+            <a:pPr lvl="1"/>
+            <a:r>
+              <a:rPr lang="en-US" dirty="0"/>
+              <a:t>Multiple cities </a:t>
+            </a:r>
+            <a:r>
+              <a:rPr lang="en-US" dirty="0" err="1"/>
+              <a:t>etc</a:t>
+            </a:r>
+            <a:endParaRPr lang="en-US" dirty="0"/>
+          </a:p>
+          <a:p>
+            <a:r>
+              <a:rPr lang="en-US" dirty="0"/>
+              <a:t>Stats – clustering of points around something I can quantify</a:t>
+            </a:r>
+          </a:p>
+          <a:p>
+            <a:pPr lvl="1"/>
+            <a:r>
+              <a:rPr lang="en-US" dirty="0"/>
+              <a:t>All of the individuals in the top corner were sampled in winter, all those in the bottom summer, </a:t>
+            </a:r>
+            <a:r>
+              <a:rPr lang="en-US" dirty="0" err="1"/>
+              <a:t>etc</a:t>
+            </a:r>
+            <a:endParaRPr lang="en-US" dirty="0"/>
+          </a:p>
+          <a:p>
+            <a:r>
+              <a:rPr lang="en-US" dirty="0"/>
+              <a:t>A variable (always a factor!) is adding noise that I’m not interested in</a:t>
+            </a:r>
+          </a:p>
+        </p:txBody>
+      </p:sp>
+    </p:spTree>
+    <p:extLst>
+      <p:ext uri="{BB962C8B-B14F-4D97-AF65-F5344CB8AC3E}">
+        <p14:creationId xmlns:p14="http://schemas.microsoft.com/office/powerpoint/2010/main" val="606477757"/>
+      </p:ext>
+    </p:extLst>
+  </p:cSld>
+  <p:clrMapOvr>
+    <a:masterClrMapping/>
+  </p:clrMapOvr>
+</p:sld>
+</file>
+
+<file path=ppt/slides/slide18.xml><?xml version="1.0" encoding="utf-8"?>
 <p:sld xmlns:a="http://schemas.openxmlformats.org/drawingml/2006/main" xmlns:r="http://schemas.openxmlformats.org/officeDocument/2006/relationships" xmlns:p="http://schemas.openxmlformats.org/presentationml/2006/main">
   <p:cSld>
     <p:spTree>
@@ -21481,7 +21864,10 @@
           <a:bodyPr/>
           <a:lstStyle/>
           <a:p>
-            <a:endParaRPr lang="en-US"/>
+            <a:r>
+              <a:rPr lang="en-US" dirty="0"/>
+              <a:t>How to know which one to use?</a:t>
+            </a:r>
           </a:p>
         </p:txBody>
       </p:sp>
@@ -21489,6 +21875,119 @@
     <p:extLst>
       <p:ext uri="{BB962C8B-B14F-4D97-AF65-F5344CB8AC3E}">
         <p14:creationId xmlns:p14="http://schemas.microsoft.com/office/powerpoint/2010/main" val="4259302244"/>
+      </p:ext>
+    </p:extLst>
+  </p:cSld>
+  <p:clrMapOvr>
+    <a:masterClrMapping/>
+  </p:clrMapOvr>
+</p:sld>
+</file>
+
+<file path=ppt/slides/slide19.xml><?xml version="1.0" encoding="utf-8"?>
+<p:sld xmlns:a="http://schemas.openxmlformats.org/drawingml/2006/main" xmlns:r="http://schemas.openxmlformats.org/officeDocument/2006/relationships" xmlns:p="http://schemas.openxmlformats.org/presentationml/2006/main">
+  <p:cSld>
+    <p:spTree>
+      <p:nvGrpSpPr>
+        <p:cNvPr id="1" name="">
+          <a:extLst>
+            <a:ext uri="{FF2B5EF4-FFF2-40B4-BE49-F238E27FC236}">
+              <a16:creationId xmlns:a16="http://schemas.microsoft.com/office/drawing/2014/main" id="{67F1D505-08F5-C909-B92D-937A22EB9D37}"/>
+            </a:ext>
+          </a:extLst>
+        </p:cNvPr>
+        <p:cNvGrpSpPr/>
+        <p:nvPr/>
+      </p:nvGrpSpPr>
+      <p:grpSpPr>
+        <a:xfrm>
+          <a:off x="0" y="0"/>
+          <a:ext cx="0" cy="0"/>
+          <a:chOff x="0" y="0"/>
+          <a:chExt cx="0" cy="0"/>
+        </a:xfrm>
+      </p:grpSpPr>
+      <p:sp>
+        <p:nvSpPr>
+          <p:cNvPr id="2" name="Title 1">
+            <a:extLst>
+              <a:ext uri="{FF2B5EF4-FFF2-40B4-BE49-F238E27FC236}">
+                <a16:creationId xmlns:a16="http://schemas.microsoft.com/office/drawing/2014/main" id="{0FD64DE2-A3CC-F139-33BB-0CF8F73C8C44}"/>
+              </a:ext>
+            </a:extLst>
+          </p:cNvPr>
+          <p:cNvSpPr>
+            <a:spLocks noGrp="1"/>
+          </p:cNvSpPr>
+          <p:nvPr>
+            <p:ph type="title"/>
+          </p:nvPr>
+        </p:nvSpPr>
+        <p:spPr/>
+        <p:txBody>
+          <a:bodyPr/>
+          <a:lstStyle/>
+          <a:p>
+            <a:r>
+              <a:rPr lang="en-US" dirty="0"/>
+              <a:t>Fixed vs Random effect?</a:t>
+            </a:r>
+          </a:p>
+        </p:txBody>
+      </p:sp>
+      <p:sp>
+        <p:nvSpPr>
+          <p:cNvPr id="3" name="Text Placeholder 2">
+            <a:extLst>
+              <a:ext uri="{FF2B5EF4-FFF2-40B4-BE49-F238E27FC236}">
+                <a16:creationId xmlns:a16="http://schemas.microsoft.com/office/drawing/2014/main" id="{6BD842CD-E9BF-D4E5-955D-9B4A76D12B6F}"/>
+              </a:ext>
+            </a:extLst>
+          </p:cNvPr>
+          <p:cNvSpPr>
+            <a:spLocks noGrp="1"/>
+          </p:cNvSpPr>
+          <p:nvPr>
+            <p:ph type="body" idx="1"/>
+          </p:nvPr>
+        </p:nvSpPr>
+        <p:spPr/>
+        <p:txBody>
+          <a:bodyPr/>
+          <a:lstStyle/>
+          <a:p>
+            <a:r>
+              <a:rPr lang="en-US" dirty="0"/>
+              <a:t>How to know which one to use?</a:t>
+            </a:r>
+          </a:p>
+          <a:p>
+            <a:r>
+              <a:rPr lang="en-US" dirty="0"/>
+              <a:t>Random effects are always factors (</a:t>
+            </a:r>
+            <a:r>
+              <a:rPr lang="en-US" dirty="0" err="1"/>
+              <a:t>i.e</a:t>
+            </a:r>
+            <a:r>
+              <a:rPr lang="en-US" dirty="0"/>
+              <a:t> not continuous)</a:t>
+            </a:r>
+          </a:p>
+          <a:p>
+            <a:pPr lvl="1"/>
+            <a:r>
+              <a:rPr lang="en-US" dirty="0"/>
+              <a:t>always 3+ levels (but probably more)</a:t>
+            </a:r>
+          </a:p>
+        </p:txBody>
+      </p:sp>
+    </p:spTree>
+    <p:extLst>
+      <p:ext uri="{BB962C8B-B14F-4D97-AF65-F5344CB8AC3E}">
+        <p14:creationId xmlns:p14="http://schemas.microsoft.com/office/powerpoint/2010/main" val="2915786849"/>
       </p:ext>
     </p:extLst>
   </p:cSld>
@@ -21662,6 +22161,425 @@
         </p:txBody>
       </p:sp>
     </p:spTree>
+  </p:cSld>
+  <p:clrMapOvr>
+    <a:masterClrMapping/>
+  </p:clrMapOvr>
+</p:sld>
+</file>
+
+<file path=ppt/slides/slide20.xml><?xml version="1.0" encoding="utf-8"?>
+<p:sld xmlns:a="http://schemas.openxmlformats.org/drawingml/2006/main" xmlns:r="http://schemas.openxmlformats.org/officeDocument/2006/relationships" xmlns:p="http://schemas.openxmlformats.org/presentationml/2006/main">
+  <p:cSld>
+    <p:spTree>
+      <p:nvGrpSpPr>
+        <p:cNvPr id="1" name="">
+          <a:extLst>
+            <a:ext uri="{FF2B5EF4-FFF2-40B4-BE49-F238E27FC236}">
+              <a16:creationId xmlns:a16="http://schemas.microsoft.com/office/drawing/2014/main" id="{05CF2CB2-2B90-0C14-81D3-CD40A986EA0F}"/>
+            </a:ext>
+          </a:extLst>
+        </p:cNvPr>
+        <p:cNvGrpSpPr/>
+        <p:nvPr/>
+      </p:nvGrpSpPr>
+      <p:grpSpPr>
+        <a:xfrm>
+          <a:off x="0" y="0"/>
+          <a:ext cx="0" cy="0"/>
+          <a:chOff x="0" y="0"/>
+          <a:chExt cx="0" cy="0"/>
+        </a:xfrm>
+      </p:grpSpPr>
+      <p:sp>
+        <p:nvSpPr>
+          <p:cNvPr id="2" name="Title 1">
+            <a:extLst>
+              <a:ext uri="{FF2B5EF4-FFF2-40B4-BE49-F238E27FC236}">
+                <a16:creationId xmlns:a16="http://schemas.microsoft.com/office/drawing/2014/main" id="{D0E3E645-608E-792C-4ECF-472E9212CB8D}"/>
+              </a:ext>
+            </a:extLst>
+          </p:cNvPr>
+          <p:cNvSpPr>
+            <a:spLocks noGrp="1"/>
+          </p:cNvSpPr>
+          <p:nvPr>
+            <p:ph type="title"/>
+          </p:nvPr>
+        </p:nvSpPr>
+        <p:spPr/>
+        <p:txBody>
+          <a:bodyPr/>
+          <a:lstStyle/>
+          <a:p>
+            <a:r>
+              <a:rPr lang="en-US" dirty="0"/>
+              <a:t>Fixed vs Random effect?</a:t>
+            </a:r>
+          </a:p>
+        </p:txBody>
+      </p:sp>
+      <p:sp>
+        <p:nvSpPr>
+          <p:cNvPr id="3" name="Text Placeholder 2">
+            <a:extLst>
+              <a:ext uri="{FF2B5EF4-FFF2-40B4-BE49-F238E27FC236}">
+                <a16:creationId xmlns:a16="http://schemas.microsoft.com/office/drawing/2014/main" id="{B182378C-0C76-2077-A326-CB6AA9C73B56}"/>
+              </a:ext>
+            </a:extLst>
+          </p:cNvPr>
+          <p:cNvSpPr>
+            <a:spLocks noGrp="1"/>
+          </p:cNvSpPr>
+          <p:nvPr>
+            <p:ph type="body" idx="1"/>
+          </p:nvPr>
+        </p:nvSpPr>
+        <p:spPr/>
+        <p:txBody>
+          <a:bodyPr/>
+          <a:lstStyle/>
+          <a:p>
+            <a:r>
+              <a:rPr lang="en-US" dirty="0"/>
+              <a:t>How to know which one to use?</a:t>
+            </a:r>
+          </a:p>
+          <a:p>
+            <a:r>
+              <a:rPr lang="en-US" dirty="0"/>
+              <a:t>Random effects are always factors (</a:t>
+            </a:r>
+            <a:r>
+              <a:rPr lang="en-US" dirty="0" err="1"/>
+              <a:t>i.e</a:t>
+            </a:r>
+            <a:r>
+              <a:rPr lang="en-US" dirty="0"/>
+              <a:t> not continuous)</a:t>
+            </a:r>
+          </a:p>
+          <a:p>
+            <a:pPr lvl="1"/>
+            <a:r>
+              <a:rPr lang="en-US" dirty="0"/>
+              <a:t>always 3+ levels (but probably more)</a:t>
+            </a:r>
+          </a:p>
+          <a:p>
+            <a:r>
+              <a:rPr lang="en-US" dirty="0"/>
+              <a:t>Random effects are not sampled comprehensively (i.e. are sampled at random)</a:t>
+            </a:r>
+          </a:p>
+        </p:txBody>
+      </p:sp>
+    </p:spTree>
+    <p:extLst>
+      <p:ext uri="{BB962C8B-B14F-4D97-AF65-F5344CB8AC3E}">
+        <p14:creationId xmlns:p14="http://schemas.microsoft.com/office/powerpoint/2010/main" val="1721181529"/>
+      </p:ext>
+    </p:extLst>
+  </p:cSld>
+  <p:clrMapOvr>
+    <a:masterClrMapping/>
+  </p:clrMapOvr>
+</p:sld>
+</file>
+
+<file path=ppt/slides/slide21.xml><?xml version="1.0" encoding="utf-8"?>
+<p:sld xmlns:a="http://schemas.openxmlformats.org/drawingml/2006/main" xmlns:r="http://schemas.openxmlformats.org/officeDocument/2006/relationships" xmlns:p="http://schemas.openxmlformats.org/presentationml/2006/main">
+  <p:cSld>
+    <p:spTree>
+      <p:nvGrpSpPr>
+        <p:cNvPr id="1" name="">
+          <a:extLst>
+            <a:ext uri="{FF2B5EF4-FFF2-40B4-BE49-F238E27FC236}">
+              <a16:creationId xmlns:a16="http://schemas.microsoft.com/office/drawing/2014/main" id="{E4103F0B-A12A-AB17-CDC5-2875BD9D3CCD}"/>
+            </a:ext>
+          </a:extLst>
+        </p:cNvPr>
+        <p:cNvGrpSpPr/>
+        <p:nvPr/>
+      </p:nvGrpSpPr>
+      <p:grpSpPr>
+        <a:xfrm>
+          <a:off x="0" y="0"/>
+          <a:ext cx="0" cy="0"/>
+          <a:chOff x="0" y="0"/>
+          <a:chExt cx="0" cy="0"/>
+        </a:xfrm>
+      </p:grpSpPr>
+      <p:sp>
+        <p:nvSpPr>
+          <p:cNvPr id="2" name="Title 1">
+            <a:extLst>
+              <a:ext uri="{FF2B5EF4-FFF2-40B4-BE49-F238E27FC236}">
+                <a16:creationId xmlns:a16="http://schemas.microsoft.com/office/drawing/2014/main" id="{A7154CDE-8A3D-FFEA-FD15-EBCE1895AE17}"/>
+              </a:ext>
+            </a:extLst>
+          </p:cNvPr>
+          <p:cNvSpPr>
+            <a:spLocks noGrp="1"/>
+          </p:cNvSpPr>
+          <p:nvPr>
+            <p:ph type="title"/>
+          </p:nvPr>
+        </p:nvSpPr>
+        <p:spPr/>
+        <p:txBody>
+          <a:bodyPr/>
+          <a:lstStyle/>
+          <a:p>
+            <a:r>
+              <a:rPr lang="en-US" dirty="0"/>
+              <a:t>Fixed vs Random effect?</a:t>
+            </a:r>
+          </a:p>
+        </p:txBody>
+      </p:sp>
+      <p:sp>
+        <p:nvSpPr>
+          <p:cNvPr id="3" name="Text Placeholder 2">
+            <a:extLst>
+              <a:ext uri="{FF2B5EF4-FFF2-40B4-BE49-F238E27FC236}">
+                <a16:creationId xmlns:a16="http://schemas.microsoft.com/office/drawing/2014/main" id="{AB7B7A07-A806-06B2-4FBC-098DF9009B59}"/>
+              </a:ext>
+            </a:extLst>
+          </p:cNvPr>
+          <p:cNvSpPr>
+            <a:spLocks noGrp="1"/>
+          </p:cNvSpPr>
+          <p:nvPr>
+            <p:ph type="body" idx="1"/>
+          </p:nvPr>
+        </p:nvSpPr>
+        <p:spPr/>
+        <p:txBody>
+          <a:bodyPr/>
+          <a:lstStyle/>
+          <a:p>
+            <a:r>
+              <a:rPr lang="en-US" dirty="0"/>
+              <a:t>How to know which one to use?</a:t>
+            </a:r>
+          </a:p>
+          <a:p>
+            <a:r>
+              <a:rPr lang="en-US" dirty="0"/>
+              <a:t>Random effects are always factors (</a:t>
+            </a:r>
+            <a:r>
+              <a:rPr lang="en-US" dirty="0" err="1"/>
+              <a:t>i.e</a:t>
+            </a:r>
+            <a:r>
+              <a:rPr lang="en-US" dirty="0"/>
+              <a:t> not continuous)</a:t>
+            </a:r>
+          </a:p>
+          <a:p>
+            <a:pPr lvl="1"/>
+            <a:r>
+              <a:rPr lang="en-US" dirty="0"/>
+              <a:t>always 3+ levels (but probably more)</a:t>
+            </a:r>
+          </a:p>
+          <a:p>
+            <a:r>
+              <a:rPr lang="en-US" dirty="0"/>
+              <a:t>Random effects are not sampled comprehensively (i.e. are sampled at random)</a:t>
+            </a:r>
+          </a:p>
+          <a:p>
+            <a:r>
+              <a:rPr lang="en-US" dirty="0"/>
+              <a:t>You’re not usually interested in the particular effect sizes of random effects</a:t>
+            </a:r>
+          </a:p>
+        </p:txBody>
+      </p:sp>
+    </p:spTree>
+    <p:extLst>
+      <p:ext uri="{BB962C8B-B14F-4D97-AF65-F5344CB8AC3E}">
+        <p14:creationId xmlns:p14="http://schemas.microsoft.com/office/powerpoint/2010/main" val="2744445914"/>
+      </p:ext>
+    </p:extLst>
+  </p:cSld>
+  <p:clrMapOvr>
+    <a:masterClrMapping/>
+  </p:clrMapOvr>
+</p:sld>
+</file>
+
+<file path=ppt/slides/slide22.xml><?xml version="1.0" encoding="utf-8"?>
+<p:sld xmlns:a="http://schemas.openxmlformats.org/drawingml/2006/main" xmlns:r="http://schemas.openxmlformats.org/officeDocument/2006/relationships" xmlns:p="http://schemas.openxmlformats.org/presentationml/2006/main">
+  <p:cSld>
+    <p:spTree>
+      <p:nvGrpSpPr>
+        <p:cNvPr id="1" name=""/>
+        <p:cNvGrpSpPr/>
+        <p:nvPr/>
+      </p:nvGrpSpPr>
+      <p:grpSpPr>
+        <a:xfrm>
+          <a:off x="0" y="0"/>
+          <a:ext cx="0" cy="0"/>
+          <a:chOff x="0" y="0"/>
+          <a:chExt cx="0" cy="0"/>
+        </a:xfrm>
+      </p:grpSpPr>
+      <p:sp>
+        <p:nvSpPr>
+          <p:cNvPr id="2" name="Title 1">
+            <a:extLst>
+              <a:ext uri="{FF2B5EF4-FFF2-40B4-BE49-F238E27FC236}">
+                <a16:creationId xmlns:a16="http://schemas.microsoft.com/office/drawing/2014/main" id="{13200A14-1385-FBB3-8E75-7086BAE5B49D}"/>
+              </a:ext>
+            </a:extLst>
+          </p:cNvPr>
+          <p:cNvSpPr>
+            <a:spLocks noGrp="1"/>
+          </p:cNvSpPr>
+          <p:nvPr>
+            <p:ph type="title"/>
+          </p:nvPr>
+        </p:nvSpPr>
+        <p:spPr/>
+        <p:txBody>
+          <a:bodyPr/>
+          <a:lstStyle/>
+          <a:p>
+            <a:r>
+              <a:rPr lang="en-US" dirty="0"/>
+              <a:t>COFFEE!!</a:t>
+            </a:r>
+          </a:p>
+        </p:txBody>
+      </p:sp>
+      <p:sp>
+        <p:nvSpPr>
+          <p:cNvPr id="3" name="Text Placeholder 2">
+            <a:extLst>
+              <a:ext uri="{FF2B5EF4-FFF2-40B4-BE49-F238E27FC236}">
+                <a16:creationId xmlns:a16="http://schemas.microsoft.com/office/drawing/2014/main" id="{956F8B29-FE51-1C61-60B6-5BEEB267A750}"/>
+              </a:ext>
+            </a:extLst>
+          </p:cNvPr>
+          <p:cNvSpPr>
+            <a:spLocks noGrp="1"/>
+          </p:cNvSpPr>
+          <p:nvPr>
+            <p:ph type="body" idx="1"/>
+          </p:nvPr>
+        </p:nvSpPr>
+        <p:spPr/>
+        <p:txBody>
+          <a:bodyPr/>
+          <a:lstStyle/>
+          <a:p>
+            <a:endParaRPr lang="en-US"/>
+          </a:p>
+        </p:txBody>
+      </p:sp>
+    </p:spTree>
+    <p:extLst>
+      <p:ext uri="{BB962C8B-B14F-4D97-AF65-F5344CB8AC3E}">
+        <p14:creationId xmlns:p14="http://schemas.microsoft.com/office/powerpoint/2010/main" val="3763604832"/>
+      </p:ext>
+    </p:extLst>
+  </p:cSld>
+  <p:clrMapOvr>
+    <a:masterClrMapping/>
+  </p:clrMapOvr>
+</p:sld>
+</file>
+
+<file path=ppt/slides/slide23.xml><?xml version="1.0" encoding="utf-8"?>
+<p:sld xmlns:a="http://schemas.openxmlformats.org/drawingml/2006/main" xmlns:r="http://schemas.openxmlformats.org/officeDocument/2006/relationships" xmlns:p="http://schemas.openxmlformats.org/presentationml/2006/main">
+  <p:cSld>
+    <p:spTree>
+      <p:nvGrpSpPr>
+        <p:cNvPr id="1" name=""/>
+        <p:cNvGrpSpPr/>
+        <p:nvPr/>
+      </p:nvGrpSpPr>
+      <p:grpSpPr>
+        <a:xfrm>
+          <a:off x="0" y="0"/>
+          <a:ext cx="0" cy="0"/>
+          <a:chOff x="0" y="0"/>
+          <a:chExt cx="0" cy="0"/>
+        </a:xfrm>
+      </p:grpSpPr>
+      <p:sp>
+        <p:nvSpPr>
+          <p:cNvPr id="2" name="Title 1">
+            <a:extLst>
+              <a:ext uri="{FF2B5EF4-FFF2-40B4-BE49-F238E27FC236}">
+                <a16:creationId xmlns:a16="http://schemas.microsoft.com/office/drawing/2014/main" id="{BB344D95-1867-E02A-4FA1-CE3373F2B4DB}"/>
+              </a:ext>
+            </a:extLst>
+          </p:cNvPr>
+          <p:cNvSpPr>
+            <a:spLocks noGrp="1"/>
+          </p:cNvSpPr>
+          <p:nvPr>
+            <p:ph type="title"/>
+          </p:nvPr>
+        </p:nvSpPr>
+        <p:spPr/>
+        <p:txBody>
+          <a:bodyPr/>
+          <a:lstStyle/>
+          <a:p>
+            <a:r>
+              <a:rPr lang="en-US" dirty="0" err="1"/>
+              <a:t>Inclass</a:t>
+            </a:r>
+            <a:r>
+              <a:rPr lang="en-US" dirty="0"/>
+              <a:t> assignment is on </a:t>
+            </a:r>
+            <a:r>
+              <a:rPr lang="en-US" dirty="0" err="1"/>
+              <a:t>eClass</a:t>
+            </a:r>
+            <a:endParaRPr lang="en-US" dirty="0"/>
+          </a:p>
+        </p:txBody>
+      </p:sp>
+      <p:sp>
+        <p:nvSpPr>
+          <p:cNvPr id="3" name="Text Placeholder 2">
+            <a:extLst>
+              <a:ext uri="{FF2B5EF4-FFF2-40B4-BE49-F238E27FC236}">
+                <a16:creationId xmlns:a16="http://schemas.microsoft.com/office/drawing/2014/main" id="{2FB665A2-8087-0007-32A3-A331FAEE09BD}"/>
+              </a:ext>
+            </a:extLst>
+          </p:cNvPr>
+          <p:cNvSpPr>
+            <a:spLocks noGrp="1"/>
+          </p:cNvSpPr>
+          <p:nvPr>
+            <p:ph type="body" idx="1"/>
+          </p:nvPr>
+        </p:nvSpPr>
+        <p:spPr/>
+        <p:txBody>
+          <a:bodyPr/>
+          <a:lstStyle/>
+          <a:p>
+            <a:endParaRPr lang="en-US"/>
+          </a:p>
+        </p:txBody>
+      </p:sp>
+    </p:spTree>
+    <p:extLst>
+      <p:ext uri="{BB962C8B-B14F-4D97-AF65-F5344CB8AC3E}">
+        <p14:creationId xmlns:p14="http://schemas.microsoft.com/office/powerpoint/2010/main" val="3714658726"/>
+      </p:ext>
+    </p:extLst>
   </p:cSld>
   <p:clrMapOvr>
     <a:masterClrMapping/>
